--- a/docs/Presentations/RedSnapper_Gag_demo.pptx
+++ b/docs/Presentations/RedSnapper_Gag_demo.pptx
@@ -8,7 +8,26 @@
     <p:sldId id="256" r:id="rId2"/>
     <p:sldId id="258" r:id="rId3"/>
     <p:sldId id="259" r:id="rId4"/>
-    <p:sldId id="257" r:id="rId5"/>
+    <p:sldId id="260" r:id="rId5"/>
+    <p:sldId id="262" r:id="rId6"/>
+    <p:sldId id="263" r:id="rId7"/>
+    <p:sldId id="264" r:id="rId8"/>
+    <p:sldId id="265" r:id="rId9"/>
+    <p:sldId id="261" r:id="rId10"/>
+    <p:sldId id="266" r:id="rId11"/>
+    <p:sldId id="267" r:id="rId12"/>
+    <p:sldId id="268" r:id="rId13"/>
+    <p:sldId id="269" r:id="rId14"/>
+    <p:sldId id="270" r:id="rId15"/>
+    <p:sldId id="272" r:id="rId16"/>
+    <p:sldId id="273" r:id="rId17"/>
+    <p:sldId id="274" r:id="rId18"/>
+    <p:sldId id="275" r:id="rId19"/>
+    <p:sldId id="281" r:id="rId20"/>
+    <p:sldId id="276" r:id="rId21"/>
+    <p:sldId id="277" r:id="rId22"/>
+    <p:sldId id="278" r:id="rId23"/>
+    <p:sldId id="280" r:id="rId24"/>
   </p:sldIdLst>
   <p:sldSz cx="12192000" cy="6858000"/>
   <p:notesSz cx="6858000" cy="9144000"/>
@@ -107,6 +126,11 @@
       </a:defRPr>
     </a:lvl9pPr>
   </p:defaultTextStyle>
+  <p:extLst>
+    <p:ext uri="{EFAFB233-063F-42B5-8137-9DF3F51BA10A}">
+      <p15:sldGuideLst xmlns:p15="http://schemas.microsoft.com/office/powerpoint/2012/main"/>
+    </p:ext>
+  </p:extLst>
 </p:presentation>
 </file>
 
@@ -241,7 +265,7 @@
           <a:p>
             <a:fld id="{446A83DE-30C0-42CD-8D47-855F118A69E1}" type="datetimeFigureOut">
               <a:rPr lang="en-US" smtClean="0"/>
-              <a:t>8/16/2022</a:t>
+              <a:t>8/22/2022</a:t>
             </a:fld>
             <a:endParaRPr lang="en-US"/>
           </a:p>
@@ -411,7 +435,7 @@
           <a:p>
             <a:fld id="{446A83DE-30C0-42CD-8D47-855F118A69E1}" type="datetimeFigureOut">
               <a:rPr lang="en-US" smtClean="0"/>
-              <a:t>8/16/2022</a:t>
+              <a:t>8/22/2022</a:t>
             </a:fld>
             <a:endParaRPr lang="en-US"/>
           </a:p>
@@ -591,7 +615,7 @@
           <a:p>
             <a:fld id="{446A83DE-30C0-42CD-8D47-855F118A69E1}" type="datetimeFigureOut">
               <a:rPr lang="en-US" smtClean="0"/>
-              <a:t>8/16/2022</a:t>
+              <a:t>8/22/2022</a:t>
             </a:fld>
             <a:endParaRPr lang="en-US"/>
           </a:p>
@@ -761,7 +785,7 @@
           <a:p>
             <a:fld id="{446A83DE-30C0-42CD-8D47-855F118A69E1}" type="datetimeFigureOut">
               <a:rPr lang="en-US" smtClean="0"/>
-              <a:t>8/16/2022</a:t>
+              <a:t>8/22/2022</a:t>
             </a:fld>
             <a:endParaRPr lang="en-US"/>
           </a:p>
@@ -1007,7 +1031,7 @@
           <a:p>
             <a:fld id="{446A83DE-30C0-42CD-8D47-855F118A69E1}" type="datetimeFigureOut">
               <a:rPr lang="en-US" smtClean="0"/>
-              <a:t>8/16/2022</a:t>
+              <a:t>8/22/2022</a:t>
             </a:fld>
             <a:endParaRPr lang="en-US"/>
           </a:p>
@@ -1239,7 +1263,7 @@
           <a:p>
             <a:fld id="{446A83DE-30C0-42CD-8D47-855F118A69E1}" type="datetimeFigureOut">
               <a:rPr lang="en-US" smtClean="0"/>
-              <a:t>8/16/2022</a:t>
+              <a:t>8/22/2022</a:t>
             </a:fld>
             <a:endParaRPr lang="en-US"/>
           </a:p>
@@ -1606,7 +1630,7 @@
           <a:p>
             <a:fld id="{446A83DE-30C0-42CD-8D47-855F118A69E1}" type="datetimeFigureOut">
               <a:rPr lang="en-US" smtClean="0"/>
-              <a:t>8/16/2022</a:t>
+              <a:t>8/22/2022</a:t>
             </a:fld>
             <a:endParaRPr lang="en-US"/>
           </a:p>
@@ -1724,7 +1748,7 @@
           <a:p>
             <a:fld id="{446A83DE-30C0-42CD-8D47-855F118A69E1}" type="datetimeFigureOut">
               <a:rPr lang="en-US" smtClean="0"/>
-              <a:t>8/16/2022</a:t>
+              <a:t>8/22/2022</a:t>
             </a:fld>
             <a:endParaRPr lang="en-US"/>
           </a:p>
@@ -1819,7 +1843,7 @@
           <a:p>
             <a:fld id="{446A83DE-30C0-42CD-8D47-855F118A69E1}" type="datetimeFigureOut">
               <a:rPr lang="en-US" smtClean="0"/>
-              <a:t>8/16/2022</a:t>
+              <a:t>8/22/2022</a:t>
             </a:fld>
             <a:endParaRPr lang="en-US"/>
           </a:p>
@@ -2096,7 +2120,7 @@
           <a:p>
             <a:fld id="{446A83DE-30C0-42CD-8D47-855F118A69E1}" type="datetimeFigureOut">
               <a:rPr lang="en-US" smtClean="0"/>
-              <a:t>8/16/2022</a:t>
+              <a:t>8/22/2022</a:t>
             </a:fld>
             <a:endParaRPr lang="en-US"/>
           </a:p>
@@ -2349,7 +2373,7 @@
           <a:p>
             <a:fld id="{446A83DE-30C0-42CD-8D47-855F118A69E1}" type="datetimeFigureOut">
               <a:rPr lang="en-US" smtClean="0"/>
-              <a:t>8/16/2022</a:t>
+              <a:t>8/22/2022</a:t>
             </a:fld>
             <a:endParaRPr lang="en-US"/>
           </a:p>
@@ -2562,7 +2586,7 @@
           <a:p>
             <a:fld id="{446A83DE-30C0-42CD-8D47-855F118A69E1}" type="datetimeFigureOut">
               <a:rPr lang="en-US" smtClean="0"/>
-              <a:t>8/16/2022</a:t>
+              <a:t>8/22/2022</a:t>
             </a:fld>
             <a:endParaRPr lang="en-US"/>
           </a:p>
@@ -2980,17 +3004,13 @@
         <p:spPr/>
         <p:txBody>
           <a:bodyPr>
-            <a:normAutofit fontScale="90000"/>
+            <a:normAutofit/>
           </a:bodyPr>
           <a:lstStyle/>
           <a:p>
             <a:r>
               <a:rPr lang="en-US" dirty="0" smtClean="0"/>
-              <a:t>Multi-Stock, Multi-Fleet MSE of the </a:t>
-            </a:r>
-            <a:r>
-              <a:rPr lang="en-US" dirty="0" smtClean="0"/>
-              <a:t>South Atlantic Red Snapper- Gag Fishery </a:t>
+              <a:t>Title </a:t>
             </a:r>
             <a:endParaRPr lang="en-US" dirty="0"/>
           </a:p>
@@ -3023,6 +3043,968 @@
     <p:extLst>
       <p:ext uri="{BB962C8B-B14F-4D97-AF65-F5344CB8AC3E}">
         <p14:creationId xmlns:p14="http://schemas.microsoft.com/office/powerpoint/2010/main" val="400540546"/>
+      </p:ext>
+    </p:extLst>
+  </p:cSld>
+  <p:clrMapOvr>
+    <a:masterClrMapping/>
+  </p:clrMapOvr>
+</p:sld>
+</file>
+
+<file path=ppt/slides/slide10.xml><?xml version="1.0" encoding="utf-8"?>
+<p:sld xmlns:a="http://schemas.openxmlformats.org/drawingml/2006/main" xmlns:r="http://schemas.openxmlformats.org/officeDocument/2006/relationships" xmlns:p="http://schemas.openxmlformats.org/presentationml/2006/main">
+  <p:cSld>
+    <p:spTree>
+      <p:nvGrpSpPr>
+        <p:cNvPr id="1" name=""/>
+        <p:cNvGrpSpPr/>
+        <p:nvPr/>
+      </p:nvGrpSpPr>
+      <p:grpSpPr>
+        <a:xfrm>
+          <a:off x="0" y="0"/>
+          <a:ext cx="0" cy="0"/>
+          <a:chOff x="0" y="0"/>
+          <a:chExt cx="0" cy="0"/>
+        </a:xfrm>
+      </p:grpSpPr>
+      <p:sp>
+        <p:nvSpPr>
+          <p:cNvPr id="2" name="Title 1"/>
+          <p:cNvSpPr>
+            <a:spLocks noGrp="1"/>
+          </p:cNvSpPr>
+          <p:nvPr>
+            <p:ph type="title"/>
+          </p:nvPr>
+        </p:nvSpPr>
+        <p:spPr/>
+        <p:txBody>
+          <a:bodyPr/>
+          <a:lstStyle/>
+          <a:p>
+            <a:r>
+              <a:rPr lang="en-US" dirty="0" smtClean="0"/>
+              <a:t>Landings and Discards by Fleet</a:t>
+            </a:r>
+            <a:endParaRPr lang="en-US" dirty="0"/>
+          </a:p>
+        </p:txBody>
+      </p:sp>
+      <p:pic>
+        <p:nvPicPr>
+          <p:cNvPr id="9" name="Content Placeholder 8"/>
+          <p:cNvPicPr>
+            <a:picLocks noGrp="1" noChangeAspect="1"/>
+          </p:cNvPicPr>
+          <p:nvPr>
+            <p:ph idx="1"/>
+          </p:nvPr>
+        </p:nvPicPr>
+        <p:blipFill>
+          <a:blip r:embed="rId2" cstate="print">
+            <a:extLst>
+              <a:ext uri="{28A0092B-C50C-407E-A947-70E740481C1C}">
+                <a14:useLocalDpi xmlns:a14="http://schemas.microsoft.com/office/drawing/2010/main" val="0"/>
+              </a:ext>
+            </a:extLst>
+          </a:blip>
+          <a:stretch>
+            <a:fillRect/>
+          </a:stretch>
+        </p:blipFill>
+        <p:spPr>
+          <a:xfrm>
+            <a:off x="2469885" y="1825625"/>
+            <a:ext cx="7252230" cy="4351338"/>
+          </a:xfrm>
+        </p:spPr>
+      </p:pic>
+    </p:spTree>
+    <p:extLst>
+      <p:ext uri="{BB962C8B-B14F-4D97-AF65-F5344CB8AC3E}">
+        <p14:creationId xmlns:p14="http://schemas.microsoft.com/office/powerpoint/2010/main" val="3185252429"/>
+      </p:ext>
+    </p:extLst>
+  </p:cSld>
+  <p:clrMapOvr>
+    <a:masterClrMapping/>
+  </p:clrMapOvr>
+  <p:timing>
+    <p:tnLst>
+      <p:par>
+        <p:cTn id="1" dur="indefinite" restart="never" nodeType="tmRoot"/>
+      </p:par>
+    </p:tnLst>
+  </p:timing>
+</p:sld>
+</file>
+
+<file path=ppt/slides/slide11.xml><?xml version="1.0" encoding="utf-8"?>
+<p:sld xmlns:a="http://schemas.openxmlformats.org/drawingml/2006/main" xmlns:r="http://schemas.openxmlformats.org/officeDocument/2006/relationships" xmlns:p="http://schemas.openxmlformats.org/presentationml/2006/main">
+  <p:cSld>
+    <p:spTree>
+      <p:nvGrpSpPr>
+        <p:cNvPr id="1" name=""/>
+        <p:cNvGrpSpPr/>
+        <p:nvPr/>
+      </p:nvGrpSpPr>
+      <p:grpSpPr>
+        <a:xfrm>
+          <a:off x="0" y="0"/>
+          <a:ext cx="0" cy="0"/>
+          <a:chOff x="0" y="0"/>
+          <a:chExt cx="0" cy="0"/>
+        </a:xfrm>
+      </p:grpSpPr>
+      <p:sp>
+        <p:nvSpPr>
+          <p:cNvPr id="2" name="Title 1"/>
+          <p:cNvSpPr>
+            <a:spLocks noGrp="1"/>
+          </p:cNvSpPr>
+          <p:nvPr>
+            <p:ph type="title"/>
+          </p:nvPr>
+        </p:nvSpPr>
+        <p:spPr/>
+        <p:txBody>
+          <a:bodyPr/>
+          <a:lstStyle/>
+          <a:p>
+            <a:r>
+              <a:rPr lang="en-US" dirty="0" smtClean="0"/>
+              <a:t>Closed-Loop Projections</a:t>
+            </a:r>
+            <a:endParaRPr lang="en-US" dirty="0"/>
+          </a:p>
+        </p:txBody>
+      </p:sp>
+      <p:sp>
+        <p:nvSpPr>
+          <p:cNvPr id="3" name="Content Placeholder 2"/>
+          <p:cNvSpPr>
+            <a:spLocks noGrp="1"/>
+          </p:cNvSpPr>
+          <p:nvPr>
+            <p:ph idx="1"/>
+          </p:nvPr>
+        </p:nvSpPr>
+        <p:spPr/>
+        <p:txBody>
+          <a:bodyPr/>
+          <a:lstStyle/>
+          <a:p>
+            <a:r>
+              <a:rPr lang="en-US" dirty="0" smtClean="0"/>
+              <a:t>cMPs</a:t>
+            </a:r>
+          </a:p>
+          <a:p>
+            <a:r>
+              <a:rPr lang="en-US" dirty="0" smtClean="0"/>
+              <a:t>assumptions for stock/</a:t>
+            </a:r>
+            <a:r>
+              <a:rPr lang="en-US" dirty="0" err="1" smtClean="0"/>
+              <a:t>obs</a:t>
+            </a:r>
+            <a:r>
+              <a:rPr lang="en-US" dirty="0" smtClean="0"/>
+              <a:t> </a:t>
+            </a:r>
+            <a:r>
+              <a:rPr lang="en-US" dirty="0" err="1" smtClean="0"/>
+              <a:t>etc</a:t>
+            </a:r>
+            <a:endParaRPr lang="en-US" dirty="0" smtClean="0"/>
+          </a:p>
+          <a:p>
+            <a:r>
+              <a:rPr lang="en-US" dirty="0" err="1" smtClean="0"/>
+              <a:t>nsim</a:t>
+            </a:r>
+            <a:endParaRPr lang="en-US" dirty="0"/>
+          </a:p>
+        </p:txBody>
+      </p:sp>
+    </p:spTree>
+    <p:extLst>
+      <p:ext uri="{BB962C8B-B14F-4D97-AF65-F5344CB8AC3E}">
+        <p14:creationId xmlns:p14="http://schemas.microsoft.com/office/powerpoint/2010/main" val="285971354"/>
+      </p:ext>
+    </p:extLst>
+  </p:cSld>
+  <p:clrMapOvr>
+    <a:masterClrMapping/>
+  </p:clrMapOvr>
+</p:sld>
+</file>
+
+<file path=ppt/slides/slide12.xml><?xml version="1.0" encoding="utf-8"?>
+<p:sld xmlns:a="http://schemas.openxmlformats.org/drawingml/2006/main" xmlns:r="http://schemas.openxmlformats.org/officeDocument/2006/relationships" xmlns:p="http://schemas.openxmlformats.org/presentationml/2006/main">
+  <p:cSld>
+    <p:spTree>
+      <p:nvGrpSpPr>
+        <p:cNvPr id="1" name=""/>
+        <p:cNvGrpSpPr/>
+        <p:nvPr/>
+      </p:nvGrpSpPr>
+      <p:grpSpPr>
+        <a:xfrm>
+          <a:off x="0" y="0"/>
+          <a:ext cx="0" cy="0"/>
+          <a:chOff x="0" y="0"/>
+          <a:chExt cx="0" cy="0"/>
+        </a:xfrm>
+      </p:grpSpPr>
+      <p:sp>
+        <p:nvSpPr>
+          <p:cNvPr id="2" name="Title 1"/>
+          <p:cNvSpPr>
+            <a:spLocks noGrp="1"/>
+          </p:cNvSpPr>
+          <p:nvPr>
+            <p:ph type="title"/>
+          </p:nvPr>
+        </p:nvSpPr>
+        <p:spPr/>
+        <p:txBody>
+          <a:bodyPr/>
+          <a:lstStyle/>
+          <a:p>
+            <a:r>
+              <a:rPr lang="en-US" dirty="0" smtClean="0"/>
+              <a:t>Management Procedures</a:t>
+            </a:r>
+            <a:endParaRPr lang="en-US" dirty="0"/>
+          </a:p>
+        </p:txBody>
+      </p:sp>
+      <p:sp>
+        <p:nvSpPr>
+          <p:cNvPr id="3" name="Content Placeholder 2"/>
+          <p:cNvSpPr>
+            <a:spLocks noGrp="1"/>
+          </p:cNvSpPr>
+          <p:nvPr>
+            <p:ph idx="1"/>
+          </p:nvPr>
+        </p:nvSpPr>
+        <p:spPr/>
+        <p:txBody>
+          <a:bodyPr/>
+          <a:lstStyle/>
+          <a:p>
+            <a:r>
+              <a:rPr lang="en-US" dirty="0" smtClean="0"/>
+              <a:t>management options by stock &amp; fleet</a:t>
+            </a:r>
+          </a:p>
+          <a:p>
+            <a:r>
+              <a:rPr lang="en-US" dirty="0" smtClean="0"/>
+              <a:t>management plan</a:t>
+            </a:r>
+            <a:endParaRPr lang="en-US" dirty="0"/>
+          </a:p>
+        </p:txBody>
+      </p:sp>
+    </p:spTree>
+    <p:extLst>
+      <p:ext uri="{BB962C8B-B14F-4D97-AF65-F5344CB8AC3E}">
+        <p14:creationId xmlns:p14="http://schemas.microsoft.com/office/powerpoint/2010/main" val="3657734587"/>
+      </p:ext>
+    </p:extLst>
+  </p:cSld>
+  <p:clrMapOvr>
+    <a:masterClrMapping/>
+  </p:clrMapOvr>
+</p:sld>
+</file>
+
+<file path=ppt/slides/slide13.xml><?xml version="1.0" encoding="utf-8"?>
+<p:sld xmlns:a="http://schemas.openxmlformats.org/drawingml/2006/main" xmlns:r="http://schemas.openxmlformats.org/officeDocument/2006/relationships" xmlns:p="http://schemas.openxmlformats.org/presentationml/2006/main">
+  <p:cSld>
+    <p:spTree>
+      <p:nvGrpSpPr>
+        <p:cNvPr id="1" name=""/>
+        <p:cNvGrpSpPr/>
+        <p:nvPr/>
+      </p:nvGrpSpPr>
+      <p:grpSpPr>
+        <a:xfrm>
+          <a:off x="0" y="0"/>
+          <a:ext cx="0" cy="0"/>
+          <a:chOff x="0" y="0"/>
+          <a:chExt cx="0" cy="0"/>
+        </a:xfrm>
+      </p:grpSpPr>
+      <p:sp>
+        <p:nvSpPr>
+          <p:cNvPr id="2" name="Title 1"/>
+          <p:cNvSpPr>
+            <a:spLocks noGrp="1"/>
+          </p:cNvSpPr>
+          <p:nvPr>
+            <p:ph type="title"/>
+          </p:nvPr>
+        </p:nvSpPr>
+        <p:spPr/>
+        <p:txBody>
+          <a:bodyPr/>
+          <a:lstStyle/>
+          <a:p>
+            <a:r>
+              <a:rPr lang="en-US" dirty="0" smtClean="0"/>
+              <a:t>Management Procedures</a:t>
+            </a:r>
+            <a:br>
+              <a:rPr lang="en-US" dirty="0" smtClean="0"/>
+            </a:br>
+            <a:r>
+              <a:rPr lang="en-US" sz="3200" dirty="0" smtClean="0"/>
+              <a:t>some simple examples</a:t>
+            </a:r>
+            <a:endParaRPr lang="en-US" sz="3200" dirty="0"/>
+          </a:p>
+        </p:txBody>
+      </p:sp>
+      <p:sp>
+        <p:nvSpPr>
+          <p:cNvPr id="3" name="Content Placeholder 2"/>
+          <p:cNvSpPr>
+            <a:spLocks noGrp="1"/>
+          </p:cNvSpPr>
+          <p:nvPr>
+            <p:ph idx="1"/>
+          </p:nvPr>
+        </p:nvSpPr>
+        <p:spPr/>
+        <p:txBody>
+          <a:bodyPr/>
+          <a:lstStyle/>
+          <a:p>
+            <a:pPr marL="0" indent="0">
+              <a:buNone/>
+            </a:pPr>
+            <a:r>
+              <a:rPr lang="en-US" dirty="0" err="1" smtClean="0"/>
+              <a:t>current_effort</a:t>
+            </a:r>
+            <a:r>
+              <a:rPr lang="en-US" dirty="0" smtClean="0"/>
+              <a:t>:</a:t>
+            </a:r>
+          </a:p>
+          <a:p>
+            <a:pPr marL="0" indent="0">
+              <a:buNone/>
+            </a:pPr>
+            <a:endParaRPr lang="en-US" dirty="0" smtClean="0"/>
+          </a:p>
+          <a:p>
+            <a:pPr marL="0" indent="0">
+              <a:buNone/>
+            </a:pPr>
+            <a:r>
+              <a:rPr lang="en-US" dirty="0" err="1" smtClean="0"/>
+              <a:t>current_catch</a:t>
+            </a:r>
+            <a:r>
+              <a:rPr lang="en-US" dirty="0" smtClean="0"/>
+              <a:t>:</a:t>
+            </a:r>
+          </a:p>
+          <a:p>
+            <a:pPr marL="0" indent="0">
+              <a:buNone/>
+            </a:pPr>
+            <a:endParaRPr lang="en-US" dirty="0"/>
+          </a:p>
+        </p:txBody>
+      </p:sp>
+    </p:spTree>
+    <p:extLst>
+      <p:ext uri="{BB962C8B-B14F-4D97-AF65-F5344CB8AC3E}">
+        <p14:creationId xmlns:p14="http://schemas.microsoft.com/office/powerpoint/2010/main" val="3046430164"/>
+      </p:ext>
+    </p:extLst>
+  </p:cSld>
+  <p:clrMapOvr>
+    <a:masterClrMapping/>
+  </p:clrMapOvr>
+</p:sld>
+</file>
+
+<file path=ppt/slides/slide14.xml><?xml version="1.0" encoding="utf-8"?>
+<p:sld xmlns:a="http://schemas.openxmlformats.org/drawingml/2006/main" xmlns:r="http://schemas.openxmlformats.org/officeDocument/2006/relationships" xmlns:p="http://schemas.openxmlformats.org/presentationml/2006/main">
+  <p:cSld>
+    <p:spTree>
+      <p:nvGrpSpPr>
+        <p:cNvPr id="1" name=""/>
+        <p:cNvGrpSpPr/>
+        <p:nvPr/>
+      </p:nvGrpSpPr>
+      <p:grpSpPr>
+        <a:xfrm>
+          <a:off x="0" y="0"/>
+          <a:ext cx="0" cy="0"/>
+          <a:chOff x="0" y="0"/>
+          <a:chExt cx="0" cy="0"/>
+        </a:xfrm>
+      </p:grpSpPr>
+      <p:sp>
+        <p:nvSpPr>
+          <p:cNvPr id="2" name="Title 1"/>
+          <p:cNvSpPr>
+            <a:spLocks noGrp="1"/>
+          </p:cNvSpPr>
+          <p:nvPr>
+            <p:ph type="title"/>
+          </p:nvPr>
+        </p:nvSpPr>
+        <p:spPr/>
+        <p:txBody>
+          <a:bodyPr/>
+          <a:lstStyle/>
+          <a:p>
+            <a:r>
+              <a:rPr lang="en-US" dirty="0" smtClean="0"/>
+              <a:t>Management Procedures</a:t>
+            </a:r>
+            <a:br>
+              <a:rPr lang="en-US" dirty="0" smtClean="0"/>
+            </a:br>
+            <a:r>
+              <a:rPr lang="en-US" sz="3200" dirty="0" smtClean="0"/>
+              <a:t>some simple examples</a:t>
+            </a:r>
+            <a:endParaRPr lang="en-US" sz="3200" dirty="0"/>
+          </a:p>
+        </p:txBody>
+      </p:sp>
+      <p:sp>
+        <p:nvSpPr>
+          <p:cNvPr id="3" name="Content Placeholder 2"/>
+          <p:cNvSpPr>
+            <a:spLocks noGrp="1"/>
+          </p:cNvSpPr>
+          <p:nvPr>
+            <p:ph idx="1"/>
+          </p:nvPr>
+        </p:nvSpPr>
+        <p:spPr/>
+        <p:txBody>
+          <a:bodyPr/>
+          <a:lstStyle/>
+          <a:p>
+            <a:pPr marL="0" indent="0">
+              <a:buNone/>
+            </a:pPr>
+            <a:r>
+              <a:rPr lang="en-US" dirty="0" err="1" smtClean="0"/>
+              <a:t>current_effort</a:t>
+            </a:r>
+            <a:r>
+              <a:rPr lang="en-US" dirty="0" smtClean="0"/>
+              <a:t>:</a:t>
+            </a:r>
+          </a:p>
+          <a:p>
+            <a:pPr marL="0" indent="0">
+              <a:buNone/>
+            </a:pPr>
+            <a:endParaRPr lang="en-US" dirty="0" smtClean="0"/>
+          </a:p>
+          <a:p>
+            <a:pPr marL="0" indent="0">
+              <a:buNone/>
+            </a:pPr>
+            <a:r>
+              <a:rPr lang="en-US" dirty="0" err="1" smtClean="0"/>
+              <a:t>current_catch</a:t>
+            </a:r>
+            <a:r>
+              <a:rPr lang="en-US" dirty="0" smtClean="0"/>
+              <a:t>:</a:t>
+            </a:r>
+          </a:p>
+          <a:p>
+            <a:pPr marL="0" indent="0">
+              <a:buNone/>
+            </a:pPr>
+            <a:endParaRPr lang="en-US" dirty="0"/>
+          </a:p>
+        </p:txBody>
+      </p:sp>
+    </p:spTree>
+    <p:extLst>
+      <p:ext uri="{BB962C8B-B14F-4D97-AF65-F5344CB8AC3E}">
+        <p14:creationId xmlns:p14="http://schemas.microsoft.com/office/powerpoint/2010/main" val="4035880361"/>
+      </p:ext>
+    </p:extLst>
+  </p:cSld>
+  <p:clrMapOvr>
+    <a:masterClrMapping/>
+  </p:clrMapOvr>
+  <p:timing>
+    <p:tnLst>
+      <p:par>
+        <p:cTn id="1" dur="indefinite" restart="never" nodeType="tmRoot"/>
+      </p:par>
+    </p:tnLst>
+  </p:timing>
+</p:sld>
+</file>
+
+<file path=ppt/slides/slide15.xml><?xml version="1.0" encoding="utf-8"?>
+<p:sld xmlns:a="http://schemas.openxmlformats.org/drawingml/2006/main" xmlns:r="http://schemas.openxmlformats.org/officeDocument/2006/relationships" xmlns:p="http://schemas.openxmlformats.org/presentationml/2006/main">
+  <p:cSld>
+    <p:spTree>
+      <p:nvGrpSpPr>
+        <p:cNvPr id="1" name=""/>
+        <p:cNvGrpSpPr/>
+        <p:nvPr/>
+      </p:nvGrpSpPr>
+      <p:grpSpPr>
+        <a:xfrm>
+          <a:off x="0" y="0"/>
+          <a:ext cx="0" cy="0"/>
+          <a:chOff x="0" y="0"/>
+          <a:chExt cx="0" cy="0"/>
+        </a:xfrm>
+      </p:grpSpPr>
+      <p:sp>
+        <p:nvSpPr>
+          <p:cNvPr id="2" name="Title 1"/>
+          <p:cNvSpPr>
+            <a:spLocks noGrp="1"/>
+          </p:cNvSpPr>
+          <p:nvPr>
+            <p:ph type="title"/>
+          </p:nvPr>
+        </p:nvSpPr>
+        <p:spPr/>
+        <p:txBody>
+          <a:bodyPr/>
+          <a:lstStyle/>
+          <a:p>
+            <a:r>
+              <a:rPr lang="en-US" dirty="0" smtClean="0"/>
+              <a:t>Projections: Spawning Biomass</a:t>
+            </a:r>
+            <a:endParaRPr lang="en-US" dirty="0"/>
+          </a:p>
+        </p:txBody>
+      </p:sp>
+      <p:pic>
+        <p:nvPicPr>
+          <p:cNvPr id="4" name="Content Placeholder 3"/>
+          <p:cNvPicPr>
+            <a:picLocks noGrp="1" noChangeAspect="1"/>
+          </p:cNvPicPr>
+          <p:nvPr>
+            <p:ph idx="1"/>
+          </p:nvPr>
+        </p:nvPicPr>
+        <p:blipFill>
+          <a:blip r:embed="rId2" cstate="print">
+            <a:extLst>
+              <a:ext uri="{28A0092B-C50C-407E-A947-70E740481C1C}">
+                <a14:useLocalDpi xmlns:a14="http://schemas.microsoft.com/office/drawing/2010/main" val="0"/>
+              </a:ext>
+            </a:extLst>
+          </a:blip>
+          <a:stretch>
+            <a:fillRect/>
+          </a:stretch>
+        </p:blipFill>
+        <p:spPr>
+          <a:xfrm>
+            <a:off x="2469885" y="1825625"/>
+            <a:ext cx="7252230" cy="4351338"/>
+          </a:xfrm>
+        </p:spPr>
+      </p:pic>
+    </p:spTree>
+    <p:extLst>
+      <p:ext uri="{BB962C8B-B14F-4D97-AF65-F5344CB8AC3E}">
+        <p14:creationId xmlns:p14="http://schemas.microsoft.com/office/powerpoint/2010/main" val="2791968856"/>
+      </p:ext>
+    </p:extLst>
+  </p:cSld>
+  <p:clrMapOvr>
+    <a:masterClrMapping/>
+  </p:clrMapOvr>
+  <p:timing>
+    <p:tnLst>
+      <p:par>
+        <p:cTn id="1" dur="indefinite" restart="never" nodeType="tmRoot"/>
+      </p:par>
+    </p:tnLst>
+  </p:timing>
+</p:sld>
+</file>
+
+<file path=ppt/slides/slide16.xml><?xml version="1.0" encoding="utf-8"?>
+<p:sld xmlns:a="http://schemas.openxmlformats.org/drawingml/2006/main" xmlns:r="http://schemas.openxmlformats.org/officeDocument/2006/relationships" xmlns:p="http://schemas.openxmlformats.org/presentationml/2006/main">
+  <p:cSld>
+    <p:spTree>
+      <p:nvGrpSpPr>
+        <p:cNvPr id="1" name=""/>
+        <p:cNvGrpSpPr/>
+        <p:nvPr/>
+      </p:nvGrpSpPr>
+      <p:grpSpPr>
+        <a:xfrm>
+          <a:off x="0" y="0"/>
+          <a:ext cx="0" cy="0"/>
+          <a:chOff x="0" y="0"/>
+          <a:chExt cx="0" cy="0"/>
+        </a:xfrm>
+      </p:grpSpPr>
+      <p:sp>
+        <p:nvSpPr>
+          <p:cNvPr id="2" name="Title 1"/>
+          <p:cNvSpPr>
+            <a:spLocks noGrp="1"/>
+          </p:cNvSpPr>
+          <p:nvPr>
+            <p:ph type="title"/>
+          </p:nvPr>
+        </p:nvSpPr>
+        <p:spPr/>
+        <p:txBody>
+          <a:bodyPr/>
+          <a:lstStyle/>
+          <a:p>
+            <a:r>
+              <a:rPr lang="en-US" dirty="0" smtClean="0"/>
+              <a:t>Projections: Landings and Discards</a:t>
+            </a:r>
+            <a:endParaRPr lang="en-US" dirty="0"/>
+          </a:p>
+        </p:txBody>
+      </p:sp>
+      <p:pic>
+        <p:nvPicPr>
+          <p:cNvPr id="5" name="Content Placeholder 4"/>
+          <p:cNvPicPr>
+            <a:picLocks noGrp="1" noChangeAspect="1"/>
+          </p:cNvPicPr>
+          <p:nvPr>
+            <p:ph idx="1"/>
+          </p:nvPr>
+        </p:nvPicPr>
+        <p:blipFill>
+          <a:blip r:embed="rId2" cstate="print">
+            <a:extLst>
+              <a:ext uri="{28A0092B-C50C-407E-A947-70E740481C1C}">
+                <a14:useLocalDpi xmlns:a14="http://schemas.microsoft.com/office/drawing/2010/main" val="0"/>
+              </a:ext>
+            </a:extLst>
+          </a:blip>
+          <a:stretch>
+            <a:fillRect/>
+          </a:stretch>
+        </p:blipFill>
+        <p:spPr>
+          <a:xfrm>
+            <a:off x="2469885" y="1825625"/>
+            <a:ext cx="7252230" cy="4351338"/>
+          </a:xfrm>
+        </p:spPr>
+      </p:pic>
+    </p:spTree>
+    <p:extLst>
+      <p:ext uri="{BB962C8B-B14F-4D97-AF65-F5344CB8AC3E}">
+        <p14:creationId xmlns:p14="http://schemas.microsoft.com/office/powerpoint/2010/main" val="715908542"/>
+      </p:ext>
+    </p:extLst>
+  </p:cSld>
+  <p:clrMapOvr>
+    <a:masterClrMapping/>
+  </p:clrMapOvr>
+  <p:timing>
+    <p:tnLst>
+      <p:par>
+        <p:cTn id="1" dur="indefinite" restart="never" nodeType="tmRoot"/>
+      </p:par>
+    </p:tnLst>
+  </p:timing>
+</p:sld>
+</file>
+
+<file path=ppt/slides/slide17.xml><?xml version="1.0" encoding="utf-8"?>
+<p:sld xmlns:a="http://schemas.openxmlformats.org/drawingml/2006/main" xmlns:r="http://schemas.openxmlformats.org/officeDocument/2006/relationships" xmlns:p="http://schemas.openxmlformats.org/presentationml/2006/main">
+  <p:cSld>
+    <p:spTree>
+      <p:nvGrpSpPr>
+        <p:cNvPr id="1" name=""/>
+        <p:cNvGrpSpPr/>
+        <p:nvPr/>
+      </p:nvGrpSpPr>
+      <p:grpSpPr>
+        <a:xfrm>
+          <a:off x="0" y="0"/>
+          <a:ext cx="0" cy="0"/>
+          <a:chOff x="0" y="0"/>
+          <a:chExt cx="0" cy="0"/>
+        </a:xfrm>
+      </p:grpSpPr>
+      <p:sp>
+        <p:nvSpPr>
+          <p:cNvPr id="2" name="Title 1"/>
+          <p:cNvSpPr>
+            <a:spLocks noGrp="1"/>
+          </p:cNvSpPr>
+          <p:nvPr>
+            <p:ph type="title"/>
+          </p:nvPr>
+        </p:nvSpPr>
+        <p:spPr/>
+        <p:txBody>
+          <a:bodyPr/>
+          <a:lstStyle/>
+          <a:p>
+            <a:r>
+              <a:rPr lang="en-US" dirty="0" smtClean="0"/>
+              <a:t>Projections: Landings and Discards by Fleet</a:t>
+            </a:r>
+            <a:endParaRPr lang="en-US" dirty="0"/>
+          </a:p>
+        </p:txBody>
+      </p:sp>
+      <p:pic>
+        <p:nvPicPr>
+          <p:cNvPr id="4" name="Content Placeholder 3"/>
+          <p:cNvPicPr>
+            <a:picLocks noGrp="1" noChangeAspect="1"/>
+          </p:cNvPicPr>
+          <p:nvPr>
+            <p:ph idx="1"/>
+          </p:nvPr>
+        </p:nvPicPr>
+        <p:blipFill>
+          <a:blip r:embed="rId2" cstate="print">
+            <a:extLst>
+              <a:ext uri="{28A0092B-C50C-407E-A947-70E740481C1C}">
+                <a14:useLocalDpi xmlns:a14="http://schemas.microsoft.com/office/drawing/2010/main" val="0"/>
+              </a:ext>
+            </a:extLst>
+          </a:blip>
+          <a:stretch>
+            <a:fillRect/>
+          </a:stretch>
+        </p:blipFill>
+        <p:spPr>
+          <a:xfrm>
+            <a:off x="2469885" y="1825625"/>
+            <a:ext cx="7252230" cy="4351338"/>
+          </a:xfrm>
+        </p:spPr>
+      </p:pic>
+    </p:spTree>
+    <p:extLst>
+      <p:ext uri="{BB962C8B-B14F-4D97-AF65-F5344CB8AC3E}">
+        <p14:creationId xmlns:p14="http://schemas.microsoft.com/office/powerpoint/2010/main" val="20435396"/>
+      </p:ext>
+    </p:extLst>
+  </p:cSld>
+  <p:clrMapOvr>
+    <a:masterClrMapping/>
+  </p:clrMapOvr>
+  <p:timing>
+    <p:tnLst>
+      <p:par>
+        <p:cTn id="1" dur="indefinite" restart="never" nodeType="tmRoot"/>
+      </p:par>
+    </p:tnLst>
+  </p:timing>
+</p:sld>
+</file>
+
+<file path=ppt/slides/slide18.xml><?xml version="1.0" encoding="utf-8"?>
+<p:sld xmlns:a="http://schemas.openxmlformats.org/drawingml/2006/main" xmlns:r="http://schemas.openxmlformats.org/officeDocument/2006/relationships" xmlns:p="http://schemas.openxmlformats.org/presentationml/2006/main">
+  <p:cSld>
+    <p:spTree>
+      <p:nvGrpSpPr>
+        <p:cNvPr id="1" name=""/>
+        <p:cNvGrpSpPr/>
+        <p:nvPr/>
+      </p:nvGrpSpPr>
+      <p:grpSpPr>
+        <a:xfrm>
+          <a:off x="0" y="0"/>
+          <a:ext cx="0" cy="0"/>
+          <a:chOff x="0" y="0"/>
+          <a:chExt cx="0" cy="0"/>
+        </a:xfrm>
+      </p:grpSpPr>
+      <p:sp>
+        <p:nvSpPr>
+          <p:cNvPr id="2" name="Title 1"/>
+          <p:cNvSpPr>
+            <a:spLocks noGrp="1"/>
+          </p:cNvSpPr>
+          <p:nvPr>
+            <p:ph type="title"/>
+          </p:nvPr>
+        </p:nvSpPr>
+        <p:spPr/>
+        <p:txBody>
+          <a:bodyPr/>
+          <a:lstStyle/>
+          <a:p>
+            <a:r>
+              <a:rPr lang="en-US" dirty="0" smtClean="0"/>
+              <a:t>Historical and Projection: </a:t>
+            </a:r>
+            <a:br>
+              <a:rPr lang="en-US" dirty="0" smtClean="0"/>
+            </a:br>
+            <a:r>
+              <a:rPr lang="en-US" sz="3200" dirty="0" smtClean="0"/>
+              <a:t>Landings and Discards</a:t>
+            </a:r>
+            <a:endParaRPr lang="en-US" sz="3200" dirty="0"/>
+          </a:p>
+        </p:txBody>
+      </p:sp>
+      <p:pic>
+        <p:nvPicPr>
+          <p:cNvPr id="4" name="Content Placeholder 3"/>
+          <p:cNvPicPr>
+            <a:picLocks noGrp="1" noChangeAspect="1"/>
+          </p:cNvPicPr>
+          <p:nvPr>
+            <p:ph idx="1"/>
+          </p:nvPr>
+        </p:nvPicPr>
+        <p:blipFill>
+          <a:blip r:embed="rId2" cstate="print">
+            <a:extLst>
+              <a:ext uri="{28A0092B-C50C-407E-A947-70E740481C1C}">
+                <a14:useLocalDpi xmlns:a14="http://schemas.microsoft.com/office/drawing/2010/main" val="0"/>
+              </a:ext>
+            </a:extLst>
+          </a:blip>
+          <a:stretch>
+            <a:fillRect/>
+          </a:stretch>
+        </p:blipFill>
+        <p:spPr>
+          <a:xfrm>
+            <a:off x="2469885" y="1825625"/>
+            <a:ext cx="7252230" cy="4351338"/>
+          </a:xfrm>
+        </p:spPr>
+      </p:pic>
+    </p:spTree>
+    <p:extLst>
+      <p:ext uri="{BB962C8B-B14F-4D97-AF65-F5344CB8AC3E}">
+        <p14:creationId xmlns:p14="http://schemas.microsoft.com/office/powerpoint/2010/main" val="3958762336"/>
+      </p:ext>
+    </p:extLst>
+  </p:cSld>
+  <p:clrMapOvr>
+    <a:masterClrMapping/>
+  </p:clrMapOvr>
+  <p:timing>
+    <p:tnLst>
+      <p:par>
+        <p:cTn id="1" dur="indefinite" restart="never" nodeType="tmRoot"/>
+      </p:par>
+    </p:tnLst>
+  </p:timing>
+</p:sld>
+</file>
+
+<file path=ppt/slides/slide19.xml><?xml version="1.0" encoding="utf-8"?>
+<p:sld xmlns:a="http://schemas.openxmlformats.org/drawingml/2006/main" xmlns:r="http://schemas.openxmlformats.org/officeDocument/2006/relationships" xmlns:p="http://schemas.openxmlformats.org/presentationml/2006/main">
+  <p:cSld>
+    <p:spTree>
+      <p:nvGrpSpPr>
+        <p:cNvPr id="1" name=""/>
+        <p:cNvGrpSpPr/>
+        <p:nvPr/>
+      </p:nvGrpSpPr>
+      <p:grpSpPr>
+        <a:xfrm>
+          <a:off x="0" y="0"/>
+          <a:ext cx="0" cy="0"/>
+          <a:chOff x="0" y="0"/>
+          <a:chExt cx="0" cy="0"/>
+        </a:xfrm>
+      </p:grpSpPr>
+      <p:sp>
+        <p:nvSpPr>
+          <p:cNvPr id="2" name="Title 1"/>
+          <p:cNvSpPr>
+            <a:spLocks noGrp="1"/>
+          </p:cNvSpPr>
+          <p:nvPr>
+            <p:ph type="title"/>
+          </p:nvPr>
+        </p:nvSpPr>
+        <p:spPr/>
+        <p:txBody>
+          <a:bodyPr/>
+          <a:lstStyle/>
+          <a:p>
+            <a:r>
+              <a:rPr lang="en-US" dirty="0" smtClean="0"/>
+              <a:t>Why do discards fall with constant catch?</a:t>
+            </a:r>
+            <a:endParaRPr lang="en-US" dirty="0"/>
+          </a:p>
+        </p:txBody>
+      </p:sp>
+      <p:sp>
+        <p:nvSpPr>
+          <p:cNvPr id="3" name="Content Placeholder 2"/>
+          <p:cNvSpPr>
+            <a:spLocks noGrp="1"/>
+          </p:cNvSpPr>
+          <p:nvPr>
+            <p:ph idx="1"/>
+          </p:nvPr>
+        </p:nvSpPr>
+        <p:spPr/>
+        <p:txBody>
+          <a:bodyPr/>
+          <a:lstStyle/>
+          <a:p>
+            <a:r>
+              <a:rPr lang="en-US" dirty="0" smtClean="0"/>
+              <a:t>assumptions for projection period</a:t>
+            </a:r>
+          </a:p>
+          <a:p>
+            <a:endParaRPr lang="en-US" dirty="0"/>
+          </a:p>
+          <a:p>
+            <a:r>
+              <a:rPr lang="en-US" dirty="0" smtClean="0"/>
+              <a:t>recruitment deviations – show plot of recent historical </a:t>
+            </a:r>
+            <a:r>
+              <a:rPr lang="en-US" smtClean="0"/>
+              <a:t>and projection</a:t>
+            </a:r>
+            <a:endParaRPr lang="en-US" dirty="0" smtClean="0"/>
+          </a:p>
+          <a:p>
+            <a:endParaRPr lang="en-US" dirty="0"/>
+          </a:p>
+        </p:txBody>
+      </p:sp>
+    </p:spTree>
+    <p:extLst>
+      <p:ext uri="{BB962C8B-B14F-4D97-AF65-F5344CB8AC3E}">
+        <p14:creationId xmlns:p14="http://schemas.microsoft.com/office/powerpoint/2010/main" val="1255595724"/>
       </p:ext>
     </p:extLst>
   </p:cSld>
@@ -3095,6 +4077,325 @@
     <p:extLst>
       <p:ext uri="{BB962C8B-B14F-4D97-AF65-F5344CB8AC3E}">
         <p14:creationId xmlns:p14="http://schemas.microsoft.com/office/powerpoint/2010/main" val="1693157943"/>
+      </p:ext>
+    </p:extLst>
+  </p:cSld>
+  <p:clrMapOvr>
+    <a:masterClrMapping/>
+  </p:clrMapOvr>
+</p:sld>
+</file>
+
+<file path=ppt/slides/slide20.xml><?xml version="1.0" encoding="utf-8"?>
+<p:sld xmlns:a="http://schemas.openxmlformats.org/drawingml/2006/main" xmlns:r="http://schemas.openxmlformats.org/officeDocument/2006/relationships" xmlns:p="http://schemas.openxmlformats.org/presentationml/2006/main">
+  <p:cSld>
+    <p:spTree>
+      <p:nvGrpSpPr>
+        <p:cNvPr id="1" name=""/>
+        <p:cNvGrpSpPr/>
+        <p:nvPr/>
+      </p:nvGrpSpPr>
+      <p:grpSpPr>
+        <a:xfrm>
+          <a:off x="0" y="0"/>
+          <a:ext cx="0" cy="0"/>
+          <a:chOff x="0" y="0"/>
+          <a:chExt cx="0" cy="0"/>
+        </a:xfrm>
+      </p:grpSpPr>
+      <p:sp>
+        <p:nvSpPr>
+          <p:cNvPr id="2" name="Title 1"/>
+          <p:cNvSpPr>
+            <a:spLocks noGrp="1"/>
+          </p:cNvSpPr>
+          <p:nvPr>
+            <p:ph type="title"/>
+          </p:nvPr>
+        </p:nvSpPr>
+        <p:spPr/>
+        <p:txBody>
+          <a:bodyPr/>
+          <a:lstStyle/>
+          <a:p>
+            <a:r>
+              <a:rPr lang="en-US" dirty="0" smtClean="0"/>
+              <a:t>Historical and Projection: </a:t>
+            </a:r>
+            <a:br>
+              <a:rPr lang="en-US" dirty="0" smtClean="0"/>
+            </a:br>
+            <a:r>
+              <a:rPr lang="en-US" sz="3200" dirty="0" smtClean="0"/>
+              <a:t>Spawning Biomass</a:t>
+            </a:r>
+            <a:endParaRPr lang="en-US" sz="3200" dirty="0"/>
+          </a:p>
+        </p:txBody>
+      </p:sp>
+      <p:sp>
+        <p:nvSpPr>
+          <p:cNvPr id="3" name="Content Placeholder 2"/>
+          <p:cNvSpPr>
+            <a:spLocks noGrp="1"/>
+          </p:cNvSpPr>
+          <p:nvPr>
+            <p:ph idx="1"/>
+          </p:nvPr>
+        </p:nvSpPr>
+        <p:spPr/>
+        <p:txBody>
+          <a:bodyPr/>
+          <a:lstStyle/>
+          <a:p>
+            <a:endParaRPr lang="en-US"/>
+          </a:p>
+        </p:txBody>
+      </p:sp>
+    </p:spTree>
+    <p:extLst>
+      <p:ext uri="{BB962C8B-B14F-4D97-AF65-F5344CB8AC3E}">
+        <p14:creationId xmlns:p14="http://schemas.microsoft.com/office/powerpoint/2010/main" val="3385438846"/>
+      </p:ext>
+    </p:extLst>
+  </p:cSld>
+  <p:clrMapOvr>
+    <a:masterClrMapping/>
+  </p:clrMapOvr>
+  <p:timing>
+    <p:tnLst>
+      <p:par>
+        <p:cTn id="1" dur="indefinite" restart="never" nodeType="tmRoot"/>
+      </p:par>
+    </p:tnLst>
+  </p:timing>
+</p:sld>
+</file>
+
+<file path=ppt/slides/slide21.xml><?xml version="1.0" encoding="utf-8"?>
+<p:sld xmlns:a="http://schemas.openxmlformats.org/drawingml/2006/main" xmlns:r="http://schemas.openxmlformats.org/officeDocument/2006/relationships" xmlns:p="http://schemas.openxmlformats.org/presentationml/2006/main">
+  <p:cSld>
+    <p:spTree>
+      <p:nvGrpSpPr>
+        <p:cNvPr id="1" name=""/>
+        <p:cNvGrpSpPr/>
+        <p:nvPr/>
+      </p:nvGrpSpPr>
+      <p:grpSpPr>
+        <a:xfrm>
+          <a:off x="0" y="0"/>
+          <a:ext cx="0" cy="0"/>
+          <a:chOff x="0" y="0"/>
+          <a:chExt cx="0" cy="0"/>
+        </a:xfrm>
+      </p:grpSpPr>
+      <p:sp>
+        <p:nvSpPr>
+          <p:cNvPr id="2" name="Title 1"/>
+          <p:cNvSpPr>
+            <a:spLocks noGrp="1"/>
+          </p:cNvSpPr>
+          <p:nvPr>
+            <p:ph type="title"/>
+          </p:nvPr>
+        </p:nvSpPr>
+        <p:spPr/>
+        <p:txBody>
+          <a:bodyPr/>
+          <a:lstStyle/>
+          <a:p>
+            <a:r>
+              <a:rPr lang="en-US" dirty="0" smtClean="0"/>
+              <a:t>Historical and Projection: </a:t>
+            </a:r>
+            <a:br>
+              <a:rPr lang="en-US" dirty="0" smtClean="0"/>
+            </a:br>
+            <a:r>
+              <a:rPr lang="en-US" sz="3200" dirty="0" smtClean="0"/>
+              <a:t>Spawning Biomass</a:t>
+            </a:r>
+            <a:endParaRPr lang="en-US" sz="3200" dirty="0"/>
+          </a:p>
+        </p:txBody>
+      </p:sp>
+      <p:sp>
+        <p:nvSpPr>
+          <p:cNvPr id="3" name="Content Placeholder 2"/>
+          <p:cNvSpPr>
+            <a:spLocks noGrp="1"/>
+          </p:cNvSpPr>
+          <p:nvPr>
+            <p:ph idx="1"/>
+          </p:nvPr>
+        </p:nvSpPr>
+        <p:spPr/>
+        <p:txBody>
+          <a:bodyPr/>
+          <a:lstStyle/>
+          <a:p>
+            <a:endParaRPr lang="en-US"/>
+          </a:p>
+        </p:txBody>
+      </p:sp>
+    </p:spTree>
+    <p:extLst>
+      <p:ext uri="{BB962C8B-B14F-4D97-AF65-F5344CB8AC3E}">
+        <p14:creationId xmlns:p14="http://schemas.microsoft.com/office/powerpoint/2010/main" val="2269157349"/>
+      </p:ext>
+    </p:extLst>
+  </p:cSld>
+  <p:clrMapOvr>
+    <a:masterClrMapping/>
+  </p:clrMapOvr>
+</p:sld>
+</file>
+
+<file path=ppt/slides/slide22.xml><?xml version="1.0" encoding="utf-8"?>
+<p:sld xmlns:a="http://schemas.openxmlformats.org/drawingml/2006/main" xmlns:r="http://schemas.openxmlformats.org/officeDocument/2006/relationships" xmlns:p="http://schemas.openxmlformats.org/presentationml/2006/main">
+  <p:cSld>
+    <p:spTree>
+      <p:nvGrpSpPr>
+        <p:cNvPr id="1" name=""/>
+        <p:cNvGrpSpPr/>
+        <p:nvPr/>
+      </p:nvGrpSpPr>
+      <p:grpSpPr>
+        <a:xfrm>
+          <a:off x="0" y="0"/>
+          <a:ext cx="0" cy="0"/>
+          <a:chOff x="0" y="0"/>
+          <a:chExt cx="0" cy="0"/>
+        </a:xfrm>
+      </p:grpSpPr>
+      <p:sp>
+        <p:nvSpPr>
+          <p:cNvPr id="2" name="Title 1"/>
+          <p:cNvSpPr>
+            <a:spLocks noGrp="1"/>
+          </p:cNvSpPr>
+          <p:nvPr>
+            <p:ph type="title"/>
+          </p:nvPr>
+        </p:nvSpPr>
+        <p:spPr/>
+        <p:txBody>
+          <a:bodyPr/>
+          <a:lstStyle/>
+          <a:p>
+            <a:r>
+              <a:rPr lang="en-US" dirty="0" smtClean="0"/>
+              <a:t>Management Procedures</a:t>
+            </a:r>
+            <a:br>
+              <a:rPr lang="en-US" dirty="0" smtClean="0"/>
+            </a:br>
+            <a:r>
+              <a:rPr lang="en-US" sz="3200" dirty="0" smtClean="0"/>
+              <a:t>slightly more complex examples</a:t>
+            </a:r>
+            <a:endParaRPr lang="en-US" sz="3200" dirty="0"/>
+          </a:p>
+        </p:txBody>
+      </p:sp>
+      <p:sp>
+        <p:nvSpPr>
+          <p:cNvPr id="3" name="Content Placeholder 2"/>
+          <p:cNvSpPr>
+            <a:spLocks noGrp="1"/>
+          </p:cNvSpPr>
+          <p:nvPr>
+            <p:ph idx="1"/>
+          </p:nvPr>
+        </p:nvSpPr>
+        <p:spPr/>
+        <p:txBody>
+          <a:bodyPr/>
+          <a:lstStyle/>
+          <a:p>
+            <a:pPr marL="0" indent="0">
+              <a:buNone/>
+            </a:pPr>
+            <a:endParaRPr lang="en-US" dirty="0"/>
+          </a:p>
+        </p:txBody>
+      </p:sp>
+    </p:spTree>
+    <p:extLst>
+      <p:ext uri="{BB962C8B-B14F-4D97-AF65-F5344CB8AC3E}">
+        <p14:creationId xmlns:p14="http://schemas.microsoft.com/office/powerpoint/2010/main" val="1895945149"/>
+      </p:ext>
+    </p:extLst>
+  </p:cSld>
+  <p:clrMapOvr>
+    <a:masterClrMapping/>
+  </p:clrMapOvr>
+</p:sld>
+</file>
+
+<file path=ppt/slides/slide23.xml><?xml version="1.0" encoding="utf-8"?>
+<p:sld xmlns:a="http://schemas.openxmlformats.org/drawingml/2006/main" xmlns:r="http://schemas.openxmlformats.org/officeDocument/2006/relationships" xmlns:p="http://schemas.openxmlformats.org/presentationml/2006/main">
+  <p:cSld>
+    <p:spTree>
+      <p:nvGrpSpPr>
+        <p:cNvPr id="1" name=""/>
+        <p:cNvGrpSpPr/>
+        <p:nvPr/>
+      </p:nvGrpSpPr>
+      <p:grpSpPr>
+        <a:xfrm>
+          <a:off x="0" y="0"/>
+          <a:ext cx="0" cy="0"/>
+          <a:chOff x="0" y="0"/>
+          <a:chExt cx="0" cy="0"/>
+        </a:xfrm>
+      </p:grpSpPr>
+      <p:sp>
+        <p:nvSpPr>
+          <p:cNvPr id="2" name="Title 1"/>
+          <p:cNvSpPr>
+            <a:spLocks noGrp="1"/>
+          </p:cNvSpPr>
+          <p:nvPr>
+            <p:ph type="title"/>
+          </p:nvPr>
+        </p:nvSpPr>
+        <p:spPr/>
+        <p:txBody>
+          <a:bodyPr/>
+          <a:lstStyle/>
+          <a:p>
+            <a:r>
+              <a:rPr lang="en-US" dirty="0" smtClean="0"/>
+              <a:t>Calculating Performance</a:t>
+            </a:r>
+            <a:endParaRPr lang="en-US" dirty="0"/>
+          </a:p>
+        </p:txBody>
+      </p:sp>
+      <p:sp>
+        <p:nvSpPr>
+          <p:cNvPr id="3" name="Content Placeholder 2"/>
+          <p:cNvSpPr>
+            <a:spLocks noGrp="1"/>
+          </p:cNvSpPr>
+          <p:nvPr>
+            <p:ph idx="1"/>
+          </p:nvPr>
+        </p:nvSpPr>
+        <p:spPr/>
+        <p:txBody>
+          <a:bodyPr/>
+          <a:lstStyle/>
+          <a:p>
+            <a:endParaRPr lang="en-US"/>
+          </a:p>
+        </p:txBody>
+      </p:sp>
+    </p:spTree>
+    <p:extLst>
+      <p:ext uri="{BB962C8B-B14F-4D97-AF65-F5344CB8AC3E}">
+        <p14:creationId xmlns:p14="http://schemas.microsoft.com/office/powerpoint/2010/main" val="931315639"/>
       </p:ext>
     </p:extLst>
   </p:cSld>
@@ -3193,16 +4494,513 @@
           <a:chExt cx="0" cy="0"/>
         </a:xfrm>
       </p:grpSpPr>
+      <p:sp>
+        <p:nvSpPr>
+          <p:cNvPr id="2" name="Title 1"/>
+          <p:cNvSpPr>
+            <a:spLocks noGrp="1"/>
+          </p:cNvSpPr>
+          <p:nvPr>
+            <p:ph type="title"/>
+          </p:nvPr>
+        </p:nvSpPr>
+        <p:spPr/>
+        <p:txBody>
+          <a:bodyPr/>
+          <a:lstStyle/>
+          <a:p>
+            <a:r>
+              <a:rPr lang="en-US" dirty="0" smtClean="0"/>
+              <a:t>Red Snapper &amp; Gag Grouper Operating Model</a:t>
+            </a:r>
+            <a:endParaRPr lang="en-US" dirty="0"/>
+          </a:p>
+        </p:txBody>
+      </p:sp>
+      <p:sp>
+        <p:nvSpPr>
+          <p:cNvPr id="3" name="Content Placeholder 2"/>
+          <p:cNvSpPr>
+            <a:spLocks noGrp="1"/>
+          </p:cNvSpPr>
+          <p:nvPr>
+            <p:ph idx="1"/>
+          </p:nvPr>
+        </p:nvSpPr>
+        <p:spPr/>
+        <p:txBody>
+          <a:bodyPr/>
+          <a:lstStyle/>
+          <a:p>
+            <a:r>
+              <a:rPr lang="en-US" dirty="0" smtClean="0"/>
+              <a:t>from assessments</a:t>
+            </a:r>
+            <a:endParaRPr lang="en-US" dirty="0"/>
+          </a:p>
+        </p:txBody>
+      </p:sp>
     </p:spTree>
     <p:extLst>
       <p:ext uri="{BB962C8B-B14F-4D97-AF65-F5344CB8AC3E}">
-        <p14:creationId xmlns:p14="http://schemas.microsoft.com/office/powerpoint/2010/main" val="1891800056"/>
+        <p14:creationId xmlns:p14="http://schemas.microsoft.com/office/powerpoint/2010/main" val="783162841"/>
       </p:ext>
     </p:extLst>
   </p:cSld>
   <p:clrMapOvr>
     <a:masterClrMapping/>
   </p:clrMapOvr>
+</p:sld>
+</file>
+
+<file path=ppt/slides/slide5.xml><?xml version="1.0" encoding="utf-8"?>
+<p:sld xmlns:a="http://schemas.openxmlformats.org/drawingml/2006/main" xmlns:r="http://schemas.openxmlformats.org/officeDocument/2006/relationships" xmlns:p="http://schemas.openxmlformats.org/presentationml/2006/main">
+  <p:cSld>
+    <p:spTree>
+      <p:nvGrpSpPr>
+        <p:cNvPr id="1" name=""/>
+        <p:cNvGrpSpPr/>
+        <p:nvPr/>
+      </p:nvGrpSpPr>
+      <p:grpSpPr>
+        <a:xfrm>
+          <a:off x="0" y="0"/>
+          <a:ext cx="0" cy="0"/>
+          <a:chOff x="0" y="0"/>
+          <a:chExt cx="0" cy="0"/>
+        </a:xfrm>
+      </p:grpSpPr>
+      <p:sp>
+        <p:nvSpPr>
+          <p:cNvPr id="2" name="Title 1"/>
+          <p:cNvSpPr>
+            <a:spLocks noGrp="1"/>
+          </p:cNvSpPr>
+          <p:nvPr>
+            <p:ph type="title"/>
+          </p:nvPr>
+        </p:nvSpPr>
+        <p:spPr/>
+        <p:txBody>
+          <a:bodyPr/>
+          <a:lstStyle/>
+          <a:p>
+            <a:r>
+              <a:rPr lang="en-US" dirty="0" smtClean="0"/>
+              <a:t>Simulate the Historical Fishery</a:t>
+            </a:r>
+            <a:endParaRPr lang="en-US" dirty="0"/>
+          </a:p>
+        </p:txBody>
+      </p:sp>
+      <p:sp>
+        <p:nvSpPr>
+          <p:cNvPr id="3" name="Content Placeholder 2"/>
+          <p:cNvSpPr>
+            <a:spLocks noGrp="1"/>
+          </p:cNvSpPr>
+          <p:nvPr>
+            <p:ph idx="1"/>
+          </p:nvPr>
+        </p:nvSpPr>
+        <p:spPr/>
+        <p:txBody>
+          <a:bodyPr/>
+          <a:lstStyle/>
+          <a:p>
+            <a:r>
+              <a:rPr lang="en-US" dirty="0" smtClean="0"/>
+              <a:t>imported into the MSE framework</a:t>
+            </a:r>
+          </a:p>
+          <a:p>
+            <a:r>
+              <a:rPr lang="en-US" dirty="0" smtClean="0"/>
+              <a:t>multi-stock/fleet model</a:t>
+            </a:r>
+          </a:p>
+          <a:p>
+            <a:r>
+              <a:rPr lang="en-US" dirty="0" smtClean="0"/>
+              <a:t>simulated historical dynamics match assessments</a:t>
+            </a:r>
+            <a:endParaRPr lang="en-US" dirty="0"/>
+          </a:p>
+        </p:txBody>
+      </p:sp>
+    </p:spTree>
+    <p:extLst>
+      <p:ext uri="{BB962C8B-B14F-4D97-AF65-F5344CB8AC3E}">
+        <p14:creationId xmlns:p14="http://schemas.microsoft.com/office/powerpoint/2010/main" val="1609862231"/>
+      </p:ext>
+    </p:extLst>
+  </p:cSld>
+  <p:clrMapOvr>
+    <a:masterClrMapping/>
+  </p:clrMapOvr>
+  <p:timing>
+    <p:tnLst>
+      <p:par>
+        <p:cTn id="1" dur="indefinite" restart="never" nodeType="tmRoot"/>
+      </p:par>
+    </p:tnLst>
+  </p:timing>
+</p:sld>
+</file>
+
+<file path=ppt/slides/slide6.xml><?xml version="1.0" encoding="utf-8"?>
+<p:sld xmlns:a="http://schemas.openxmlformats.org/drawingml/2006/main" xmlns:r="http://schemas.openxmlformats.org/officeDocument/2006/relationships" xmlns:p="http://schemas.openxmlformats.org/presentationml/2006/main">
+  <p:cSld>
+    <p:spTree>
+      <p:nvGrpSpPr>
+        <p:cNvPr id="1" name=""/>
+        <p:cNvGrpSpPr/>
+        <p:nvPr/>
+      </p:nvGrpSpPr>
+      <p:grpSpPr>
+        <a:xfrm>
+          <a:off x="0" y="0"/>
+          <a:ext cx="0" cy="0"/>
+          <a:chOff x="0" y="0"/>
+          <a:chExt cx="0" cy="0"/>
+        </a:xfrm>
+      </p:grpSpPr>
+      <p:sp>
+        <p:nvSpPr>
+          <p:cNvPr id="2" name="Title 1"/>
+          <p:cNvSpPr>
+            <a:spLocks noGrp="1"/>
+          </p:cNvSpPr>
+          <p:nvPr>
+            <p:ph type="title"/>
+          </p:nvPr>
+        </p:nvSpPr>
+        <p:spPr/>
+        <p:txBody>
+          <a:bodyPr/>
+          <a:lstStyle/>
+          <a:p>
+            <a:r>
+              <a:rPr lang="en-US" dirty="0" smtClean="0"/>
+              <a:t>Total Stock Biomass</a:t>
+            </a:r>
+            <a:endParaRPr lang="en-US" dirty="0"/>
+          </a:p>
+        </p:txBody>
+      </p:sp>
+      <p:pic>
+        <p:nvPicPr>
+          <p:cNvPr id="9" name="Content Placeholder 8"/>
+          <p:cNvPicPr>
+            <a:picLocks noGrp="1" noChangeAspect="1"/>
+          </p:cNvPicPr>
+          <p:nvPr>
+            <p:ph idx="1"/>
+          </p:nvPr>
+        </p:nvPicPr>
+        <p:blipFill>
+          <a:blip r:embed="rId2" cstate="print">
+            <a:extLst>
+              <a:ext uri="{28A0092B-C50C-407E-A947-70E740481C1C}">
+                <a14:useLocalDpi xmlns:a14="http://schemas.microsoft.com/office/drawing/2010/main" val="0"/>
+              </a:ext>
+            </a:extLst>
+          </a:blip>
+          <a:stretch>
+            <a:fillRect/>
+          </a:stretch>
+        </p:blipFill>
+        <p:spPr>
+          <a:xfrm>
+            <a:off x="2614929" y="1825625"/>
+            <a:ext cx="6962141" cy="4351338"/>
+          </a:xfrm>
+        </p:spPr>
+      </p:pic>
+    </p:spTree>
+    <p:extLst>
+      <p:ext uri="{BB962C8B-B14F-4D97-AF65-F5344CB8AC3E}">
+        <p14:creationId xmlns:p14="http://schemas.microsoft.com/office/powerpoint/2010/main" val="436301394"/>
+      </p:ext>
+    </p:extLst>
+  </p:cSld>
+  <p:clrMapOvr>
+    <a:masterClrMapping/>
+  </p:clrMapOvr>
+  <p:timing>
+    <p:tnLst>
+      <p:par>
+        <p:cTn id="1" dur="indefinite" restart="never" nodeType="tmRoot"/>
+      </p:par>
+    </p:tnLst>
+  </p:timing>
+</p:sld>
+</file>
+
+<file path=ppt/slides/slide7.xml><?xml version="1.0" encoding="utf-8"?>
+<p:sld xmlns:a="http://schemas.openxmlformats.org/drawingml/2006/main" xmlns:r="http://schemas.openxmlformats.org/officeDocument/2006/relationships" xmlns:p="http://schemas.openxmlformats.org/presentationml/2006/main">
+  <p:cSld>
+    <p:spTree>
+      <p:nvGrpSpPr>
+        <p:cNvPr id="1" name=""/>
+        <p:cNvGrpSpPr/>
+        <p:nvPr/>
+      </p:nvGrpSpPr>
+      <p:grpSpPr>
+        <a:xfrm>
+          <a:off x="0" y="0"/>
+          <a:ext cx="0" cy="0"/>
+          <a:chOff x="0" y="0"/>
+          <a:chExt cx="0" cy="0"/>
+        </a:xfrm>
+      </p:grpSpPr>
+      <p:sp>
+        <p:nvSpPr>
+          <p:cNvPr id="2" name="Title 1"/>
+          <p:cNvSpPr>
+            <a:spLocks noGrp="1"/>
+          </p:cNvSpPr>
+          <p:nvPr>
+            <p:ph type="title"/>
+          </p:nvPr>
+        </p:nvSpPr>
+        <p:spPr/>
+        <p:txBody>
+          <a:bodyPr/>
+          <a:lstStyle/>
+          <a:p>
+            <a:r>
+              <a:rPr lang="en-US" dirty="0" smtClean="0"/>
+              <a:t>Relative Total Stock Biomass</a:t>
+            </a:r>
+            <a:endParaRPr lang="en-US" dirty="0"/>
+          </a:p>
+        </p:txBody>
+      </p:sp>
+      <p:pic>
+        <p:nvPicPr>
+          <p:cNvPr id="4" name="Content Placeholder 3"/>
+          <p:cNvPicPr>
+            <a:picLocks noGrp="1" noChangeAspect="1"/>
+          </p:cNvPicPr>
+          <p:nvPr>
+            <p:ph idx="1"/>
+          </p:nvPr>
+        </p:nvPicPr>
+        <p:blipFill>
+          <a:blip r:embed="rId2" cstate="print">
+            <a:extLst>
+              <a:ext uri="{28A0092B-C50C-407E-A947-70E740481C1C}">
+                <a14:useLocalDpi xmlns:a14="http://schemas.microsoft.com/office/drawing/2010/main" val="0"/>
+              </a:ext>
+            </a:extLst>
+          </a:blip>
+          <a:stretch>
+            <a:fillRect/>
+          </a:stretch>
+        </p:blipFill>
+        <p:spPr>
+          <a:xfrm>
+            <a:off x="2614929" y="1825625"/>
+            <a:ext cx="6962141" cy="4351338"/>
+          </a:xfrm>
+        </p:spPr>
+      </p:pic>
+    </p:spTree>
+    <p:extLst>
+      <p:ext uri="{BB962C8B-B14F-4D97-AF65-F5344CB8AC3E}">
+        <p14:creationId xmlns:p14="http://schemas.microsoft.com/office/powerpoint/2010/main" val="303666518"/>
+      </p:ext>
+    </p:extLst>
+  </p:cSld>
+  <p:clrMapOvr>
+    <a:masterClrMapping/>
+  </p:clrMapOvr>
+  <p:timing>
+    <p:tnLst>
+      <p:par>
+        <p:cTn id="1" dur="indefinite" restart="never" nodeType="tmRoot"/>
+      </p:par>
+    </p:tnLst>
+  </p:timing>
+</p:sld>
+</file>
+
+<file path=ppt/slides/slide8.xml><?xml version="1.0" encoding="utf-8"?>
+<p:sld xmlns:a="http://schemas.openxmlformats.org/drawingml/2006/main" xmlns:r="http://schemas.openxmlformats.org/officeDocument/2006/relationships" xmlns:p="http://schemas.openxmlformats.org/presentationml/2006/main">
+  <p:cSld>
+    <p:spTree>
+      <p:nvGrpSpPr>
+        <p:cNvPr id="1" name=""/>
+        <p:cNvGrpSpPr/>
+        <p:nvPr/>
+      </p:nvGrpSpPr>
+      <p:grpSpPr>
+        <a:xfrm>
+          <a:off x="0" y="0"/>
+          <a:ext cx="0" cy="0"/>
+          <a:chOff x="0" y="0"/>
+          <a:chExt cx="0" cy="0"/>
+        </a:xfrm>
+      </p:grpSpPr>
+      <p:sp>
+        <p:nvSpPr>
+          <p:cNvPr id="2" name="Title 1"/>
+          <p:cNvSpPr>
+            <a:spLocks noGrp="1"/>
+          </p:cNvSpPr>
+          <p:nvPr>
+            <p:ph type="title"/>
+          </p:nvPr>
+        </p:nvSpPr>
+        <p:spPr/>
+        <p:txBody>
+          <a:bodyPr/>
+          <a:lstStyle/>
+          <a:p>
+            <a:r>
+              <a:rPr lang="en-US" dirty="0" smtClean="0"/>
+              <a:t>Spawning Biomass</a:t>
+            </a:r>
+            <a:endParaRPr lang="en-US" dirty="0"/>
+          </a:p>
+        </p:txBody>
+      </p:sp>
+      <p:pic>
+        <p:nvPicPr>
+          <p:cNvPr id="7" name="Content Placeholder 6"/>
+          <p:cNvPicPr>
+            <a:picLocks noGrp="1" noChangeAspect="1"/>
+          </p:cNvPicPr>
+          <p:nvPr>
+            <p:ph idx="1"/>
+          </p:nvPr>
+        </p:nvPicPr>
+        <p:blipFill>
+          <a:blip r:embed="rId2" cstate="print">
+            <a:extLst>
+              <a:ext uri="{28A0092B-C50C-407E-A947-70E740481C1C}">
+                <a14:useLocalDpi xmlns:a14="http://schemas.microsoft.com/office/drawing/2010/main" val="0"/>
+              </a:ext>
+            </a:extLst>
+          </a:blip>
+          <a:stretch>
+            <a:fillRect/>
+          </a:stretch>
+        </p:blipFill>
+        <p:spPr>
+          <a:xfrm>
+            <a:off x="1744662" y="1825625"/>
+            <a:ext cx="8702676" cy="4351338"/>
+          </a:xfrm>
+        </p:spPr>
+      </p:pic>
+    </p:spTree>
+    <p:extLst>
+      <p:ext uri="{BB962C8B-B14F-4D97-AF65-F5344CB8AC3E}">
+        <p14:creationId xmlns:p14="http://schemas.microsoft.com/office/powerpoint/2010/main" val="2421372778"/>
+      </p:ext>
+    </p:extLst>
+  </p:cSld>
+  <p:clrMapOvr>
+    <a:masterClrMapping/>
+  </p:clrMapOvr>
+  <p:timing>
+    <p:tnLst>
+      <p:par>
+        <p:cTn id="1" dur="indefinite" restart="never" nodeType="tmRoot"/>
+      </p:par>
+    </p:tnLst>
+  </p:timing>
+</p:sld>
+</file>
+
+<file path=ppt/slides/slide9.xml><?xml version="1.0" encoding="utf-8"?>
+<p:sld xmlns:a="http://schemas.openxmlformats.org/drawingml/2006/main" xmlns:r="http://schemas.openxmlformats.org/officeDocument/2006/relationships" xmlns:p="http://schemas.openxmlformats.org/presentationml/2006/main">
+  <p:cSld>
+    <p:spTree>
+      <p:nvGrpSpPr>
+        <p:cNvPr id="1" name=""/>
+        <p:cNvGrpSpPr/>
+        <p:nvPr/>
+      </p:nvGrpSpPr>
+      <p:grpSpPr>
+        <a:xfrm>
+          <a:off x="0" y="0"/>
+          <a:ext cx="0" cy="0"/>
+          <a:chOff x="0" y="0"/>
+          <a:chExt cx="0" cy="0"/>
+        </a:xfrm>
+      </p:grpSpPr>
+      <p:sp>
+        <p:nvSpPr>
+          <p:cNvPr id="2" name="Title 1"/>
+          <p:cNvSpPr>
+            <a:spLocks noGrp="1"/>
+          </p:cNvSpPr>
+          <p:nvPr>
+            <p:ph type="title"/>
+          </p:nvPr>
+        </p:nvSpPr>
+        <p:spPr/>
+        <p:txBody>
+          <a:bodyPr/>
+          <a:lstStyle/>
+          <a:p>
+            <a:r>
+              <a:rPr lang="en-US" dirty="0" smtClean="0"/>
+              <a:t>Landings and Discards</a:t>
+            </a:r>
+            <a:endParaRPr lang="en-US" dirty="0"/>
+          </a:p>
+        </p:txBody>
+      </p:sp>
+      <p:pic>
+        <p:nvPicPr>
+          <p:cNvPr id="4" name="Content Placeholder 3"/>
+          <p:cNvPicPr>
+            <a:picLocks noGrp="1" noChangeAspect="1"/>
+          </p:cNvPicPr>
+          <p:nvPr>
+            <p:ph idx="1"/>
+          </p:nvPr>
+        </p:nvPicPr>
+        <p:blipFill>
+          <a:blip r:embed="rId2" cstate="print">
+            <a:extLst>
+              <a:ext uri="{28A0092B-C50C-407E-A947-70E740481C1C}">
+                <a14:useLocalDpi xmlns:a14="http://schemas.microsoft.com/office/drawing/2010/main" val="0"/>
+              </a:ext>
+            </a:extLst>
+          </a:blip>
+          <a:stretch>
+            <a:fillRect/>
+          </a:stretch>
+        </p:blipFill>
+        <p:spPr>
+          <a:xfrm>
+            <a:off x="1744662" y="1825625"/>
+            <a:ext cx="8702676" cy="4351338"/>
+          </a:xfrm>
+        </p:spPr>
+      </p:pic>
+    </p:spTree>
+    <p:extLst>
+      <p:ext uri="{BB962C8B-B14F-4D97-AF65-F5344CB8AC3E}">
+        <p14:creationId xmlns:p14="http://schemas.microsoft.com/office/powerpoint/2010/main" val="2127555544"/>
+      </p:ext>
+    </p:extLst>
+  </p:cSld>
+  <p:clrMapOvr>
+    <a:masterClrMapping/>
+  </p:clrMapOvr>
+  <p:timing>
+    <p:tnLst>
+      <p:par>
+        <p:cTn id="1" dur="indefinite" restart="never" nodeType="tmRoot"/>
+      </p:par>
+    </p:tnLst>
+  </p:timing>
 </p:sld>
 </file>
 
